--- a/презентация.pptx
+++ b/презентация.pptx
@@ -15,9 +15,11 @@
     <p:sldId id="263" r:id="rId9"/>
     <p:sldId id="264" r:id="rId10"/>
     <p:sldId id="265" r:id="rId11"/>
-    <p:sldId id="266" r:id="rId12"/>
-    <p:sldId id="267" r:id="rId13"/>
-    <p:sldId id="268" r:id="rId14"/>
+    <p:sldId id="269" r:id="rId12"/>
+    <p:sldId id="270" r:id="rId13"/>
+    <p:sldId id="266" r:id="rId14"/>
+    <p:sldId id="267" r:id="rId15"/>
+    <p:sldId id="268" r:id="rId16"/>
   </p:sldIdLst>
   <p:sldSz cx="12192000" cy="6858000"/>
   <p:notesSz cx="6858000" cy="9144000"/>
@@ -116,6 +118,11 @@
       </a:defRPr>
     </a:lvl9pPr>
   </p:defaultTextStyle>
+  <p:extLst>
+    <p:ext uri="{EFAFB233-063F-42B5-8137-9DF3F51BA10A}">
+      <p15:sldGuideLst xmlns:p15="http://schemas.microsoft.com/office/powerpoint/2012/main"/>
+    </p:ext>
+  </p:extLst>
 </p:presentation>
 </file>
 
@@ -250,7 +257,7 @@
           <a:p>
             <a:fld id="{7E078666-334F-48E6-999A-7C583436140B}" type="datetimeFigureOut">
               <a:rPr lang="ru-RU" smtClean="0"/>
-              <a:t>12.04.2017</a:t>
+              <a:t>06.06.2017</a:t>
             </a:fld>
             <a:endParaRPr lang="ru-RU"/>
           </a:p>
@@ -420,7 +427,7 @@
           <a:p>
             <a:fld id="{7E078666-334F-48E6-999A-7C583436140B}" type="datetimeFigureOut">
               <a:rPr lang="ru-RU" smtClean="0"/>
-              <a:t>12.04.2017</a:t>
+              <a:t>06.06.2017</a:t>
             </a:fld>
             <a:endParaRPr lang="ru-RU"/>
           </a:p>
@@ -600,7 +607,7 @@
           <a:p>
             <a:fld id="{7E078666-334F-48E6-999A-7C583436140B}" type="datetimeFigureOut">
               <a:rPr lang="ru-RU" smtClean="0"/>
-              <a:t>12.04.2017</a:t>
+              <a:t>06.06.2017</a:t>
             </a:fld>
             <a:endParaRPr lang="ru-RU"/>
           </a:p>
@@ -770,7 +777,7 @@
           <a:p>
             <a:fld id="{7E078666-334F-48E6-999A-7C583436140B}" type="datetimeFigureOut">
               <a:rPr lang="ru-RU" smtClean="0"/>
-              <a:t>12.04.2017</a:t>
+              <a:t>06.06.2017</a:t>
             </a:fld>
             <a:endParaRPr lang="ru-RU"/>
           </a:p>
@@ -1016,7 +1023,7 @@
           <a:p>
             <a:fld id="{7E078666-334F-48E6-999A-7C583436140B}" type="datetimeFigureOut">
               <a:rPr lang="ru-RU" smtClean="0"/>
-              <a:t>12.04.2017</a:t>
+              <a:t>06.06.2017</a:t>
             </a:fld>
             <a:endParaRPr lang="ru-RU"/>
           </a:p>
@@ -1248,7 +1255,7 @@
           <a:p>
             <a:fld id="{7E078666-334F-48E6-999A-7C583436140B}" type="datetimeFigureOut">
               <a:rPr lang="ru-RU" smtClean="0"/>
-              <a:t>12.04.2017</a:t>
+              <a:t>06.06.2017</a:t>
             </a:fld>
             <a:endParaRPr lang="ru-RU"/>
           </a:p>
@@ -1615,7 +1622,7 @@
           <a:p>
             <a:fld id="{7E078666-334F-48E6-999A-7C583436140B}" type="datetimeFigureOut">
               <a:rPr lang="ru-RU" smtClean="0"/>
-              <a:t>12.04.2017</a:t>
+              <a:t>06.06.2017</a:t>
             </a:fld>
             <a:endParaRPr lang="ru-RU"/>
           </a:p>
@@ -1733,7 +1740,7 @@
           <a:p>
             <a:fld id="{7E078666-334F-48E6-999A-7C583436140B}" type="datetimeFigureOut">
               <a:rPr lang="ru-RU" smtClean="0"/>
-              <a:t>12.04.2017</a:t>
+              <a:t>06.06.2017</a:t>
             </a:fld>
             <a:endParaRPr lang="ru-RU"/>
           </a:p>
@@ -1828,7 +1835,7 @@
           <a:p>
             <a:fld id="{7E078666-334F-48E6-999A-7C583436140B}" type="datetimeFigureOut">
               <a:rPr lang="ru-RU" smtClean="0"/>
-              <a:t>12.04.2017</a:t>
+              <a:t>06.06.2017</a:t>
             </a:fld>
             <a:endParaRPr lang="ru-RU"/>
           </a:p>
@@ -2105,7 +2112,7 @@
           <a:p>
             <a:fld id="{7E078666-334F-48E6-999A-7C583436140B}" type="datetimeFigureOut">
               <a:rPr lang="ru-RU" smtClean="0"/>
-              <a:t>12.04.2017</a:t>
+              <a:t>06.06.2017</a:t>
             </a:fld>
             <a:endParaRPr lang="ru-RU"/>
           </a:p>
@@ -2358,7 +2365,7 @@
           <a:p>
             <a:fld id="{7E078666-334F-48E6-999A-7C583436140B}" type="datetimeFigureOut">
               <a:rPr lang="ru-RU" smtClean="0"/>
-              <a:t>12.04.2017</a:t>
+              <a:t>06.06.2017</a:t>
             </a:fld>
             <a:endParaRPr lang="ru-RU"/>
           </a:p>
@@ -2571,7 +2578,7 @@
           <a:p>
             <a:fld id="{7E078666-334F-48E6-999A-7C583436140B}" type="datetimeFigureOut">
               <a:rPr lang="ru-RU" smtClean="0"/>
-              <a:t>12.04.2017</a:t>
+              <a:t>06.06.2017</a:t>
             </a:fld>
             <a:endParaRPr lang="ru-RU"/>
           </a:p>
@@ -2986,7 +2993,12 @@
             <p:ph type="ctrTitle"/>
           </p:nvPr>
         </p:nvSpPr>
-        <p:spPr/>
+        <p:spPr>
+          <a:xfrm>
+            <a:off x="1524000" y="1987939"/>
+            <a:ext cx="9144000" cy="2387600"/>
+          </a:xfrm>
+        </p:spPr>
         <p:txBody>
           <a:bodyPr>
             <a:normAutofit fontScale="90000"/>
@@ -2994,10 +3006,29 @@
           <a:lstStyle/>
           <a:p>
             <a:r>
-              <a:rPr lang="ru-RU" dirty="0" smtClean="0"/>
-              <a:t>Генетические и геометрические алгоритмы в задаче раскроя</a:t>
-            </a:r>
-            <a:endParaRPr lang="ru-RU" dirty="0"/>
+              <a:rPr lang="ru-RU" sz="4000" b="1" dirty="0"/>
+              <a:t>ВЫПУСКНАЯ  КВАЛИФИКАЦИОННАЯ  </a:t>
+            </a:r>
+            <a:r>
+              <a:rPr lang="ru-RU" sz="4000" b="1" dirty="0" smtClean="0"/>
+              <a:t>РАБОТА</a:t>
+            </a:r>
+            <a:r>
+              <a:rPr lang="ru-RU" sz="4800" dirty="0" smtClean="0"/>
+              <a:t/>
+            </a:r>
+            <a:br>
+              <a:rPr lang="ru-RU" sz="4800" dirty="0" smtClean="0"/>
+            </a:br>
+            <a:r>
+              <a:rPr lang="ru-RU" sz="4800" dirty="0" smtClean="0"/>
+              <a:t>Генетические </a:t>
+            </a:r>
+            <a:r>
+              <a:rPr lang="ru-RU" sz="4800" dirty="0" smtClean="0"/>
+              <a:t>и геометрические алгоритмы в задаче раскроя</a:t>
+            </a:r>
+            <a:endParaRPr lang="ru-RU" sz="4800" dirty="0"/>
           </a:p>
         </p:txBody>
       </p:sp>
@@ -3011,7 +3042,12 @@
             <p:ph type="subTitle" idx="1"/>
           </p:nvPr>
         </p:nvSpPr>
-        <p:spPr/>
+        <p:spPr>
+          <a:xfrm>
+            <a:off x="1582189" y="5006890"/>
+            <a:ext cx="9144000" cy="1655762"/>
+          </a:xfrm>
+        </p:spPr>
         <p:txBody>
           <a:bodyPr/>
           <a:lstStyle/>
@@ -3028,6 +3064,118 @@
               <a:rPr lang="ru-RU" dirty="0" smtClean="0"/>
               <a:t>Научный руководитель к.ф.-м.н., доцент: Холопов А. А.</a:t>
             </a:r>
+            <a:endParaRPr lang="ru-RU" dirty="0"/>
+          </a:p>
+        </p:txBody>
+      </p:sp>
+      <p:sp>
+        <p:nvSpPr>
+          <p:cNvPr id="4" name="Заголовок 1"/>
+          <p:cNvSpPr txBox="1">
+            <a:spLocks/>
+          </p:cNvSpPr>
+          <p:nvPr/>
+        </p:nvSpPr>
+        <p:spPr>
+          <a:xfrm>
+            <a:off x="2315580" y="199546"/>
+            <a:ext cx="7560840" cy="2982193"/>
+          </a:xfrm>
+          <a:prstGeom prst="rect">
+            <a:avLst/>
+          </a:prstGeom>
+        </p:spPr>
+        <p:txBody>
+          <a:bodyPr vert="horz" lIns="91440" tIns="45720" rIns="91440" bIns="45720" rtlCol="0" anchor="b">
+            <a:normAutofit fontScale="32500" lnSpcReduction="20000"/>
+          </a:bodyPr>
+          <a:lstStyle>
+            <a:lvl1pPr algn="ctr" defTabSz="914400" rtl="0" eaLnBrk="1" latinLnBrk="0" hangingPunct="1">
+              <a:lnSpc>
+                <a:spcPct val="90000"/>
+              </a:lnSpc>
+              <a:spcBef>
+                <a:spcPct val="0"/>
+              </a:spcBef>
+              <a:buNone/>
+              <a:defRPr sz="6000" kern="1200">
+                <a:solidFill>
+                  <a:schemeClr val="tx1"/>
+                </a:solidFill>
+                <a:latin typeface="+mj-lt"/>
+                <a:ea typeface="+mj-ea"/>
+                <a:cs typeface="+mj-cs"/>
+              </a:defRPr>
+            </a:lvl1pPr>
+          </a:lstStyle>
+          <a:p>
+            <a:r>
+              <a:rPr lang="ru-RU" sz="6400" dirty="0" smtClean="0"/>
+              <a:t/>
+            </a:r>
+            <a:br>
+              <a:rPr lang="ru-RU" sz="6400" dirty="0" smtClean="0"/>
+            </a:br>
+            <a:r>
+              <a:rPr lang="ru-RU" sz="6400" dirty="0" smtClean="0"/>
+              <a:t>Министерство образования и науки Российской Федерации</a:t>
+            </a:r>
+            <a:br>
+              <a:rPr lang="ru-RU" sz="6400" dirty="0" smtClean="0"/>
+            </a:br>
+            <a:r>
+              <a:rPr lang="ru-RU" sz="6400" dirty="0" smtClean="0"/>
+              <a:t>ФЕДЕРАЛЬНОЕ ГОСУДАРСТВЕННОЕ БЮДЖЕТНОЕ ОБРАЗОВАТЕЛЬНОЕ УЧРЕЖДЕНИЕ ВЫСШЕГО ОБРАЗОВАНИЯ </a:t>
+            </a:r>
+            <a:br>
+              <a:rPr lang="ru-RU" sz="6400" dirty="0" smtClean="0"/>
+            </a:br>
+            <a:r>
+              <a:rPr lang="ru-RU" sz="6400" dirty="0" smtClean="0"/>
+              <a:t>«СЫКТЫВКАРСКИЙ ГОСУДАРСТВЕННЫЙ УНИВЕРСИТЕТ ИМЕНИ ПИТИРИМА СОРОКИНА»</a:t>
+            </a:r>
+            <a:br>
+              <a:rPr lang="ru-RU" sz="6400" dirty="0" smtClean="0"/>
+            </a:br>
+            <a:r>
+              <a:rPr lang="ru-RU" sz="6400" dirty="0" smtClean="0"/>
+              <a:t>Кафедра прикладной математики и информационных технологий в образовании</a:t>
+            </a:r>
+            <a:r>
+              <a:rPr lang="ru-RU" sz="1300" dirty="0" smtClean="0"/>
+              <a:t/>
+            </a:r>
+            <a:br>
+              <a:rPr lang="ru-RU" sz="1300" dirty="0" smtClean="0"/>
+            </a:br>
+            <a:r>
+              <a:rPr lang="ru-RU" dirty="0" smtClean="0"/>
+              <a:t/>
+            </a:r>
+            <a:br>
+              <a:rPr lang="ru-RU" dirty="0" smtClean="0"/>
+            </a:br>
+            <a:r>
+              <a:rPr lang="ru-RU" dirty="0" smtClean="0"/>
+              <a:t> </a:t>
+            </a:r>
+            <a:br>
+              <a:rPr lang="ru-RU" dirty="0" smtClean="0"/>
+            </a:br>
+            <a:r>
+              <a:rPr lang="ru-RU" dirty="0" smtClean="0"/>
+              <a:t> </a:t>
+            </a:r>
+            <a:br>
+              <a:rPr lang="ru-RU" dirty="0" smtClean="0"/>
+            </a:br>
+            <a:r>
+              <a:rPr lang="ru-RU" dirty="0" smtClean="0"/>
+              <a:t> </a:t>
+            </a:r>
+            <a:br>
+              <a:rPr lang="ru-RU" dirty="0" smtClean="0"/>
+            </a:br>
             <a:endParaRPr lang="ru-RU" dirty="0"/>
           </a:p>
         </p:txBody>
@@ -3189,67 +3337,76 @@
           <a:p>
             <a:r>
               <a:rPr lang="ru-RU" dirty="0" smtClean="0"/>
-              <a:t>Заключение</a:t>
+              <a:t>Численный эксперимент 1</a:t>
             </a:r>
             <a:endParaRPr lang="ru-RU" dirty="0"/>
           </a:p>
         </p:txBody>
       </p:sp>
-      <p:sp>
-        <p:nvSpPr>
-          <p:cNvPr id="3" name="Объект 2"/>
-          <p:cNvSpPr>
-            <a:spLocks noGrp="1"/>
-          </p:cNvSpPr>
-          <p:nvPr>
-            <p:ph idx="1"/>
-          </p:nvPr>
-        </p:nvSpPr>
-        <p:spPr/>
-        <p:txBody>
-          <a:bodyPr/>
-          <a:lstStyle/>
-          <a:p>
-            <a:r>
-              <a:rPr lang="ru-RU" dirty="0" smtClean="0"/>
-              <a:t>В процессе исследования были выявлены преимущества растрового алгоритма:</a:t>
-            </a:r>
-          </a:p>
-          <a:p>
-            <a:pPr lvl="1"/>
-            <a:r>
-              <a:rPr lang="ru-RU" dirty="0"/>
-              <a:t>п</a:t>
-            </a:r>
-            <a:r>
-              <a:rPr lang="ru-RU" dirty="0" smtClean="0"/>
-              <a:t>ростота реализации;</a:t>
-            </a:r>
-          </a:p>
-          <a:p>
-            <a:pPr lvl="1"/>
-            <a:r>
-              <a:rPr lang="ru-RU" dirty="0" smtClean="0"/>
-              <a:t>приемлемая  точность (3 пикселя представляют 1 миллиметр);</a:t>
-            </a:r>
-          </a:p>
-          <a:p>
-            <a:pPr lvl="1"/>
-            <a:r>
-              <a:rPr lang="ru-RU" dirty="0" smtClean="0"/>
-              <a:t>высокая скорость работы.</a:t>
-            </a:r>
-          </a:p>
-          <a:p>
-            <a:pPr lvl="1"/>
-            <a:endParaRPr lang="ru-RU" dirty="0"/>
-          </a:p>
-        </p:txBody>
-      </p:sp>
+      <p:pic>
+        <p:nvPicPr>
+          <p:cNvPr id="4" name="Рисунок 3"/>
+          <p:cNvPicPr>
+            <a:picLocks noChangeAspect="1"/>
+          </p:cNvPicPr>
+          <p:nvPr/>
+        </p:nvPicPr>
+        <p:blipFill>
+          <a:blip r:embed="rId2" cstate="print">
+            <a:extLst>
+              <a:ext uri="{28A0092B-C50C-407E-A947-70E740481C1C}">
+                <a14:useLocalDpi xmlns:a14="http://schemas.microsoft.com/office/drawing/2010/main" val="0"/>
+              </a:ext>
+            </a:extLst>
+          </a:blip>
+          <a:stretch>
+            <a:fillRect/>
+          </a:stretch>
+        </p:blipFill>
+        <p:spPr>
+          <a:xfrm>
+            <a:off x="7334827" y="1971098"/>
+            <a:ext cx="3858202" cy="3858202"/>
+          </a:xfrm>
+          <a:prstGeom prst="rect">
+            <a:avLst/>
+          </a:prstGeom>
+        </p:spPr>
+      </p:pic>
+      <p:pic>
+        <p:nvPicPr>
+          <p:cNvPr id="6" name="Рисунок 5"/>
+          <p:cNvPicPr>
+            <a:picLocks noChangeAspect="1"/>
+          </p:cNvPicPr>
+          <p:nvPr/>
+        </p:nvPicPr>
+        <p:blipFill>
+          <a:blip r:embed="rId3" cstate="print">
+            <a:extLst>
+              <a:ext uri="{28A0092B-C50C-407E-A947-70E740481C1C}">
+                <a14:useLocalDpi xmlns:a14="http://schemas.microsoft.com/office/drawing/2010/main" val="0"/>
+              </a:ext>
+            </a:extLst>
+          </a:blip>
+          <a:stretch>
+            <a:fillRect/>
+          </a:stretch>
+        </p:blipFill>
+        <p:spPr>
+          <a:xfrm>
+            <a:off x="838200" y="1971098"/>
+            <a:ext cx="3858202" cy="3858202"/>
+          </a:xfrm>
+          <a:prstGeom prst="rect">
+            <a:avLst/>
+          </a:prstGeom>
+        </p:spPr>
+      </p:pic>
     </p:spTree>
     <p:extLst>
       <p:ext uri="{BB962C8B-B14F-4D97-AF65-F5344CB8AC3E}">
-        <p14:creationId xmlns:p14="http://schemas.microsoft.com/office/powerpoint/2010/main" val="2802841592"/>
+        <p14:creationId xmlns:p14="http://schemas.microsoft.com/office/powerpoint/2010/main" val="3350451835"/>
       </p:ext>
     </p:extLst>
   </p:cSld>
@@ -3300,6 +3457,206 @@
           <a:p>
             <a:r>
               <a:rPr lang="ru-RU" dirty="0" smtClean="0"/>
+              <a:t>Численный эксперимент 2</a:t>
+            </a:r>
+            <a:endParaRPr lang="ru-RU" dirty="0"/>
+          </a:p>
+        </p:txBody>
+      </p:sp>
+      <p:pic>
+        <p:nvPicPr>
+          <p:cNvPr id="4" name="Объект 3"/>
+          <p:cNvPicPr>
+            <a:picLocks noGrp="1" noChangeAspect="1"/>
+          </p:cNvPicPr>
+          <p:nvPr>
+            <p:ph idx="1"/>
+          </p:nvPr>
+        </p:nvPicPr>
+        <p:blipFill>
+          <a:blip r:embed="rId2" cstate="print">
+            <a:extLst>
+              <a:ext uri="{28A0092B-C50C-407E-A947-70E740481C1C}">
+                <a14:useLocalDpi xmlns:a14="http://schemas.microsoft.com/office/drawing/2010/main" val="0"/>
+              </a:ext>
+            </a:extLst>
+          </a:blip>
+          <a:stretch>
+            <a:fillRect/>
+          </a:stretch>
+        </p:blipFill>
+        <p:spPr>
+          <a:xfrm>
+            <a:off x="838200" y="1690688"/>
+            <a:ext cx="4351338" cy="4351338"/>
+          </a:xfrm>
+        </p:spPr>
+      </p:pic>
+    </p:spTree>
+    <p:extLst>
+      <p:ext uri="{BB962C8B-B14F-4D97-AF65-F5344CB8AC3E}">
+        <p14:creationId xmlns:p14="http://schemas.microsoft.com/office/powerpoint/2010/main" val="3256981623"/>
+      </p:ext>
+    </p:extLst>
+  </p:cSld>
+  <p:clrMapOvr>
+    <a:masterClrMapping/>
+  </p:clrMapOvr>
+  <p:timing>
+    <p:tnLst>
+      <p:par>
+        <p:cTn id="1" dur="indefinite" restart="never" nodeType="tmRoot"/>
+      </p:par>
+    </p:tnLst>
+  </p:timing>
+</p:sld>
+</file>
+
+<file path=ppt/slides/slide13.xml><?xml version="1.0" encoding="utf-8"?>
+<p:sld xmlns:a="http://schemas.openxmlformats.org/drawingml/2006/main" xmlns:r="http://schemas.openxmlformats.org/officeDocument/2006/relationships" xmlns:p="http://schemas.openxmlformats.org/presentationml/2006/main">
+  <p:cSld>
+    <p:spTree>
+      <p:nvGrpSpPr>
+        <p:cNvPr id="1" name=""/>
+        <p:cNvGrpSpPr/>
+        <p:nvPr/>
+      </p:nvGrpSpPr>
+      <p:grpSpPr>
+        <a:xfrm>
+          <a:off x="0" y="0"/>
+          <a:ext cx="0" cy="0"/>
+          <a:chOff x="0" y="0"/>
+          <a:chExt cx="0" cy="0"/>
+        </a:xfrm>
+      </p:grpSpPr>
+      <p:sp>
+        <p:nvSpPr>
+          <p:cNvPr id="2" name="Заголовок 1"/>
+          <p:cNvSpPr>
+            <a:spLocks noGrp="1"/>
+          </p:cNvSpPr>
+          <p:nvPr>
+            <p:ph type="title"/>
+          </p:nvPr>
+        </p:nvSpPr>
+        <p:spPr/>
+        <p:txBody>
+          <a:bodyPr/>
+          <a:lstStyle/>
+          <a:p>
+            <a:r>
+              <a:rPr lang="ru-RU" dirty="0" smtClean="0"/>
+              <a:t>Заключение</a:t>
+            </a:r>
+            <a:endParaRPr lang="ru-RU" dirty="0"/>
+          </a:p>
+        </p:txBody>
+      </p:sp>
+      <p:sp>
+        <p:nvSpPr>
+          <p:cNvPr id="3" name="Объект 2"/>
+          <p:cNvSpPr>
+            <a:spLocks noGrp="1"/>
+          </p:cNvSpPr>
+          <p:nvPr>
+            <p:ph idx="1"/>
+          </p:nvPr>
+        </p:nvSpPr>
+        <p:spPr/>
+        <p:txBody>
+          <a:bodyPr/>
+          <a:lstStyle/>
+          <a:p>
+            <a:r>
+              <a:rPr lang="ru-RU" dirty="0" smtClean="0"/>
+              <a:t>В процессе исследования были выявлены преимущества растрового алгоритма:</a:t>
+            </a:r>
+          </a:p>
+          <a:p>
+            <a:pPr lvl="1"/>
+            <a:r>
+              <a:rPr lang="ru-RU" dirty="0"/>
+              <a:t>п</a:t>
+            </a:r>
+            <a:r>
+              <a:rPr lang="ru-RU" dirty="0" smtClean="0"/>
+              <a:t>ростота реализации;</a:t>
+            </a:r>
+          </a:p>
+          <a:p>
+            <a:pPr lvl="1"/>
+            <a:r>
+              <a:rPr lang="ru-RU" dirty="0" smtClean="0"/>
+              <a:t>приемлемая  точность (3 пикселя представляют 1 миллиметр);</a:t>
+            </a:r>
+          </a:p>
+          <a:p>
+            <a:pPr lvl="1"/>
+            <a:r>
+              <a:rPr lang="ru-RU" dirty="0" smtClean="0"/>
+              <a:t>высокая скорость работы.</a:t>
+            </a:r>
+          </a:p>
+          <a:p>
+            <a:pPr lvl="1"/>
+            <a:endParaRPr lang="ru-RU" dirty="0"/>
+          </a:p>
+        </p:txBody>
+      </p:sp>
+    </p:spTree>
+    <p:extLst>
+      <p:ext uri="{BB962C8B-B14F-4D97-AF65-F5344CB8AC3E}">
+        <p14:creationId xmlns:p14="http://schemas.microsoft.com/office/powerpoint/2010/main" val="2802841592"/>
+      </p:ext>
+    </p:extLst>
+  </p:cSld>
+  <p:clrMapOvr>
+    <a:masterClrMapping/>
+  </p:clrMapOvr>
+  <p:timing>
+    <p:tnLst>
+      <p:par>
+        <p:cTn id="1" dur="indefinite" restart="never" nodeType="tmRoot"/>
+      </p:par>
+    </p:tnLst>
+  </p:timing>
+</p:sld>
+</file>
+
+<file path=ppt/slides/slide14.xml><?xml version="1.0" encoding="utf-8"?>
+<p:sld xmlns:a="http://schemas.openxmlformats.org/drawingml/2006/main" xmlns:r="http://schemas.openxmlformats.org/officeDocument/2006/relationships" xmlns:p="http://schemas.openxmlformats.org/presentationml/2006/main">
+  <p:cSld>
+    <p:spTree>
+      <p:nvGrpSpPr>
+        <p:cNvPr id="1" name=""/>
+        <p:cNvGrpSpPr/>
+        <p:nvPr/>
+      </p:nvGrpSpPr>
+      <p:grpSpPr>
+        <a:xfrm>
+          <a:off x="0" y="0"/>
+          <a:ext cx="0" cy="0"/>
+          <a:chOff x="0" y="0"/>
+          <a:chExt cx="0" cy="0"/>
+        </a:xfrm>
+      </p:grpSpPr>
+      <p:sp>
+        <p:nvSpPr>
+          <p:cNvPr id="2" name="Заголовок 1"/>
+          <p:cNvSpPr>
+            <a:spLocks noGrp="1"/>
+          </p:cNvSpPr>
+          <p:nvPr>
+            <p:ph type="title"/>
+          </p:nvPr>
+        </p:nvSpPr>
+        <p:spPr/>
+        <p:txBody>
+          <a:bodyPr/>
+          <a:lstStyle/>
+          <a:p>
+            <a:r>
+              <a:rPr lang="ru-RU" dirty="0" smtClean="0"/>
               <a:t>Список использованных источников</a:t>
             </a:r>
             <a:endParaRPr lang="ru-RU" dirty="0"/>
@@ -3319,7 +3676,7 @@
         <p:spPr/>
         <p:txBody>
           <a:bodyPr>
-            <a:normAutofit fontScale="70000" lnSpcReduction="20000"/>
+            <a:noAutofit/>
           </a:bodyPr>
           <a:lstStyle/>
           <a:p>
@@ -3328,16 +3685,24 @@
               <a:buAutoNum type="arabicPeriod"/>
             </a:pPr>
             <a:r>
-              <a:rPr lang="en-US" dirty="0" err="1"/>
+              <a:rPr lang="en-US" sz="1200" dirty="0" err="1" smtClean="0"/>
               <a:t>Dyckhoff</a:t>
             </a:r>
             <a:r>
-              <a:rPr lang="en-US" dirty="0"/>
-              <a:t> H. A typology of cutting and packing problems // European Journal of Operational Research. </a:t>
-            </a:r>
-            <a:r>
-              <a:rPr lang="ru-RU" dirty="0"/>
-              <a:t>№ 44. С. 150—152. </a:t>
+              <a:rPr lang="en-US" sz="1200" dirty="0" smtClean="0"/>
+              <a:t> </a:t>
+            </a:r>
+            <a:r>
+              <a:rPr lang="en-US" sz="1200" dirty="0"/>
+              <a:t>H. A typology of cutting and packing problems // European Journal of Operational Research. № 44. </a:t>
+            </a:r>
+            <a:r>
+              <a:rPr lang="en-US" sz="1200" dirty="0" smtClean="0"/>
+              <a:t>150—152 </a:t>
+            </a:r>
+            <a:r>
+              <a:rPr lang="en-US" sz="1200" dirty="0"/>
+              <a:t>p.</a:t>
             </a:r>
           </a:p>
           <a:p>
@@ -3346,12 +3711,16 @@
               <a:buAutoNum type="arabicPeriod"/>
             </a:pPr>
             <a:r>
-              <a:rPr lang="ru-RU" dirty="0" err="1"/>
+              <a:rPr lang="en-US" sz="1200" dirty="0" smtClean="0"/>
+              <a:t> </a:t>
+            </a:r>
+            <a:r>
+              <a:rPr lang="ru-RU" sz="1200" dirty="0" err="1"/>
               <a:t>Залгаллер</a:t>
             </a:r>
             <a:r>
-              <a:rPr lang="ru-RU" dirty="0"/>
-              <a:t> В. А., Канторович Л. В. Рациональный раскрой промышленных материалов. Новосибирск: Наука, 1971. </a:t>
+              <a:rPr lang="ru-RU" sz="1200" dirty="0"/>
+              <a:t> В. А., Канторович Л. В. Рациональный раскрой промышленных материалов. Новосибирск: Наука, 1971.</a:t>
             </a:r>
           </a:p>
           <a:p>
@@ -3360,26 +3729,17 @@
               <a:buAutoNum type="arabicPeriod"/>
             </a:pPr>
             <a:r>
-              <a:rPr lang="ru-RU" dirty="0" err="1"/>
+              <a:rPr lang="en-US" sz="1200" dirty="0" smtClean="0"/>
+              <a:t> </a:t>
+            </a:r>
+            <a:r>
+              <a:rPr lang="ru-RU" sz="1200" dirty="0" err="1"/>
               <a:t>Никитенков</a:t>
             </a:r>
             <a:r>
-              <a:rPr lang="ru-RU" dirty="0"/>
-              <a:t> В.Л., Холопов А.В. Задачи линейного программирования и методы их решения. Сыктывкар</a:t>
-            </a:r>
-            <a:r>
-              <a:rPr lang="en-US" dirty="0"/>
-              <a:t>, 2008. 143</a:t>
-            </a:r>
-            <a:r>
-              <a:rPr lang="ru-RU" dirty="0"/>
-              <a:t> с</a:t>
-            </a:r>
-            <a:r>
-              <a:rPr lang="en-US" dirty="0"/>
-              <a:t>. </a:t>
-            </a:r>
-            <a:endParaRPr lang="ru-RU" dirty="0"/>
+              <a:rPr lang="ru-RU" sz="1200" dirty="0"/>
+              <a:t> В. Л., Холопов А. А. Задачи линейного программирования и методы их решения. Сыктывкар: Издательство Сыктывкарского университета, 2008. 143 с.</a:t>
+            </a:r>
           </a:p>
           <a:p>
             <a:pPr marL="514350" lvl="0" indent="-514350">
@@ -3387,30 +3747,21 @@
               <a:buAutoNum type="arabicPeriod"/>
             </a:pPr>
             <a:r>
-              <a:rPr lang="en-US" dirty="0" err="1"/>
-              <a:t>Benell</a:t>
-            </a:r>
-            <a:r>
-              <a:rPr lang="en-US" dirty="0"/>
-              <a:t> A. J., </a:t>
-            </a:r>
-            <a:r>
-              <a:rPr lang="en-US" dirty="0" err="1"/>
-              <a:t>Olivera</a:t>
-            </a:r>
-            <a:r>
-              <a:rPr lang="en-US" dirty="0"/>
-              <a:t> F. J. The geometry of nesting problems: A tutorial // European Journal of Operational Research. 2008. № 184. </a:t>
-            </a:r>
-            <a:r>
-              <a:rPr lang="ru-RU" dirty="0"/>
-              <a:t>С.</a:t>
-            </a:r>
-            <a:r>
-              <a:rPr lang="en-US" dirty="0"/>
-              <a:t> 399—402. </a:t>
-            </a:r>
-            <a:endParaRPr lang="ru-RU" dirty="0"/>
+              <a:rPr lang="en-US" sz="1200" dirty="0" smtClean="0"/>
+              <a:t>  </a:t>
+            </a:r>
+            <a:r>
+              <a:rPr lang="ru-RU" sz="1200" dirty="0"/>
+              <a:t>Прасолов В. В. Задачи по планиметрии. </a:t>
+            </a:r>
+            <a:r>
+              <a:rPr lang="ru-RU" sz="1200" dirty="0" smtClean="0"/>
+              <a:t>— </a:t>
+            </a:r>
+            <a:r>
+              <a:rPr lang="ru-RU" sz="1200" dirty="0"/>
+              <a:t>4-е изд., дополненное. М.: МЦНМО, 2001. 584 с </a:t>
+            </a:r>
           </a:p>
           <a:p>
             <a:pPr marL="514350" lvl="0" indent="-514350">
@@ -3418,10 +3769,13 @@
               <a:buAutoNum type="arabicPeriod"/>
             </a:pPr>
             <a:r>
-              <a:rPr lang="en-US" dirty="0"/>
-              <a:t>MacLeod C. An Introduction to Practical Neural Networks and Genetic Algorithms For Engineers and Scientists. 85 с. </a:t>
-            </a:r>
-            <a:endParaRPr lang="ru-RU" dirty="0"/>
+              <a:rPr lang="en-US" sz="1200" dirty="0" smtClean="0"/>
+              <a:t> </a:t>
+            </a:r>
+            <a:r>
+              <a:rPr lang="ru-RU" sz="1200" dirty="0"/>
+              <a:t>Шабат Б. В. Введение в комплексный анализ. М.: Наука, 1969. 91 с.</a:t>
+            </a:r>
           </a:p>
           <a:p>
             <a:pPr marL="514350" lvl="0" indent="-514350">
@@ -3429,12 +3783,32 @@
               <a:buAutoNum type="arabicPeriod"/>
             </a:pPr>
             <a:r>
-              <a:rPr lang="en-US" dirty="0"/>
-              <a:t>He Y., Liu H. Algorithm for 2D irregular-shaped nesting problem based on the NFP algorithm and lowest gravity-center principle // Journal of Zhejiang University. </a:t>
-            </a:r>
-            <a:r>
-              <a:rPr lang="ru-RU" dirty="0"/>
-              <a:t>2006. № 7. С. 571 — 574. </a:t>
+              <a:rPr lang="en-US" sz="1200" dirty="0" smtClean="0"/>
+              <a:t> </a:t>
+            </a:r>
+            <a:r>
+              <a:rPr lang="en-US" sz="1200" dirty="0" err="1"/>
+              <a:t>Benell</a:t>
+            </a:r>
+            <a:r>
+              <a:rPr lang="en-US" sz="1200" dirty="0"/>
+              <a:t> A. J., </a:t>
+            </a:r>
+            <a:r>
+              <a:rPr lang="en-US" sz="1200" dirty="0" err="1"/>
+              <a:t>Olivera</a:t>
+            </a:r>
+            <a:r>
+              <a:rPr lang="en-US" sz="1200" dirty="0"/>
+              <a:t> F. J. The geometry of nesting problems: A tutorial // European Journal of Operational Research. 2008. № 184. </a:t>
+            </a:r>
+            <a:r>
+              <a:rPr lang="en-US" sz="1200" dirty="0" smtClean="0"/>
+              <a:t>399—402 </a:t>
+            </a:r>
+            <a:r>
+              <a:rPr lang="en-US" sz="1200" dirty="0"/>
+              <a:t>p.</a:t>
             </a:r>
           </a:p>
           <a:p>
@@ -3443,20 +3817,220 @@
               <a:buAutoNum type="arabicPeriod"/>
             </a:pPr>
             <a:r>
-              <a:rPr lang="ru-RU" dirty="0"/>
-              <a:t>Панченко Т. В. Генетические </a:t>
-            </a:r>
-            <a:r>
-              <a:rPr lang="ru-RU" dirty="0" err="1"/>
-              <a:t>Алгоритмs</a:t>
-            </a:r>
-            <a:r>
-              <a:rPr lang="ru-RU" dirty="0"/>
-              <a:t>; под ред. Ю. Ю. Тарасевича. Издательский дом «Астраханский университет». 2007. 16 с. </a:t>
-            </a:r>
-          </a:p>
-          <a:p>
-            <a:endParaRPr lang="ru-RU" dirty="0"/>
+              <a:rPr lang="en-US" sz="1200" dirty="0" smtClean="0"/>
+              <a:t> </a:t>
+            </a:r>
+            <a:r>
+              <a:rPr lang="en-US" sz="1200" dirty="0"/>
+              <a:t>MacLeod C. An Introduction to Practical Neural Networks and Genetic Algorithms For Engineers and Scientists. 85 p.</a:t>
+            </a:r>
+          </a:p>
+          <a:p>
+            <a:pPr marL="514350" lvl="0" indent="-514350">
+              <a:buFont typeface="+mj-lt"/>
+              <a:buAutoNum type="arabicPeriod"/>
+            </a:pPr>
+            <a:r>
+              <a:rPr lang="en-US" sz="1200" dirty="0" smtClean="0"/>
+              <a:t> </a:t>
+            </a:r>
+            <a:r>
+              <a:rPr lang="en-US" sz="1200" dirty="0"/>
+              <a:t>He Y., Liu H. Algorithm for 2D irregular-shaped nesting problem based on the NFP algorithm and lowest gravity-center principle // Journal of Zhejiang University. 2006. № 7. 571 </a:t>
+            </a:r>
+            <a:r>
+              <a:rPr lang="en-US" sz="1200" dirty="0" smtClean="0"/>
+              <a:t>— </a:t>
+            </a:r>
+            <a:r>
+              <a:rPr lang="en-US" sz="1200" dirty="0"/>
+              <a:t>574 p.</a:t>
+            </a:r>
+          </a:p>
+          <a:p>
+            <a:pPr marL="514350" lvl="0" indent="-514350">
+              <a:buFont typeface="+mj-lt"/>
+              <a:buAutoNum type="arabicPeriod"/>
+            </a:pPr>
+            <a:r>
+              <a:rPr lang="en-US" sz="1200" dirty="0" smtClean="0"/>
+              <a:t> </a:t>
+            </a:r>
+            <a:r>
+              <a:rPr lang="ru-RU" sz="1200" dirty="0"/>
+              <a:t>Панченко Т. В. Генетические Алгоритмы; под ред. Ю. Ю. Тарасевича. Издательский дом &lt;&lt;Астраханский университет&gt;&gt;. 2007. 16 с.</a:t>
+            </a:r>
+          </a:p>
+          <a:p>
+            <a:pPr marL="514350" lvl="0" indent="-514350">
+              <a:buFont typeface="+mj-lt"/>
+              <a:buAutoNum type="arabicPeriod"/>
+            </a:pPr>
+            <a:r>
+              <a:rPr lang="en-US" sz="1200" dirty="0" smtClean="0"/>
+              <a:t> </a:t>
+            </a:r>
+            <a:r>
+              <a:rPr lang="ru-RU" sz="1200" dirty="0"/>
+              <a:t>Кудрявцев Л. Д. Математический анализ. </a:t>
+            </a:r>
+            <a:r>
+              <a:rPr lang="ru-RU" sz="1200" dirty="0" smtClean="0"/>
+              <a:t>— </a:t>
+            </a:r>
+            <a:r>
+              <a:rPr lang="ru-RU" sz="1200" dirty="0"/>
+              <a:t>2-е изд.  М.: Высшая школа, 1973. </a:t>
+            </a:r>
+            <a:r>
+              <a:rPr lang="ru-RU" sz="1200" dirty="0" smtClean="0"/>
+              <a:t>— </a:t>
+            </a:r>
+            <a:r>
+              <a:rPr lang="ru-RU" sz="1200" dirty="0"/>
+              <a:t>Т. 1.</a:t>
+            </a:r>
+          </a:p>
+          <a:p>
+            <a:pPr marL="514350" lvl="0" indent="-514350">
+              <a:buFont typeface="+mj-lt"/>
+              <a:buAutoNum type="arabicPeriod"/>
+            </a:pPr>
+            <a:r>
+              <a:rPr lang="en-US" sz="1200" dirty="0" smtClean="0"/>
+              <a:t> </a:t>
+            </a:r>
+            <a:r>
+              <a:rPr lang="ru-RU" sz="1200" dirty="0" err="1"/>
+              <a:t>Донаван</a:t>
+            </a:r>
+            <a:r>
+              <a:rPr lang="ru-RU" sz="1200" dirty="0"/>
+              <a:t> А. А. А., </a:t>
+            </a:r>
+            <a:r>
+              <a:rPr lang="ru-RU" sz="1200" dirty="0" err="1"/>
+              <a:t>Керниган</a:t>
+            </a:r>
+            <a:r>
+              <a:rPr lang="ru-RU" sz="1200" dirty="0"/>
+              <a:t> Б. У. Язык </a:t>
+            </a:r>
+            <a:r>
+              <a:rPr lang="ru-RU" sz="1200" dirty="0" err="1"/>
+              <a:t>программировния</a:t>
+            </a:r>
+            <a:r>
+              <a:rPr lang="ru-RU" sz="1200" dirty="0"/>
+              <a:t> </a:t>
+            </a:r>
+            <a:r>
+              <a:rPr lang="en-US" sz="1200" dirty="0"/>
+              <a:t>Go. </a:t>
+            </a:r>
+            <a:r>
+              <a:rPr lang="ru-RU" sz="1200" dirty="0"/>
+              <a:t>М., СПб., Киев: Вильямс, 2016. </a:t>
+            </a:r>
+            <a:r>
+              <a:rPr lang="ru-RU" sz="1200" dirty="0" smtClean="0"/>
+              <a:t>11—12 </a:t>
+            </a:r>
+            <a:r>
+              <a:rPr lang="ru-RU" sz="1200" dirty="0"/>
+              <a:t>с., </a:t>
+            </a:r>
+            <a:r>
+              <a:rPr lang="ru-RU" sz="1200" dirty="0" smtClean="0"/>
+              <a:t>160—161 </a:t>
+            </a:r>
+            <a:r>
+              <a:rPr lang="ru-RU" sz="1200" dirty="0"/>
+              <a:t>с., </a:t>
+            </a:r>
+            <a:r>
+              <a:rPr lang="ru-RU" sz="1200" dirty="0" smtClean="0"/>
+              <a:t>191—192 </a:t>
+            </a:r>
+            <a:r>
+              <a:rPr lang="ru-RU" sz="1200" dirty="0"/>
+              <a:t>с.</a:t>
+            </a:r>
+          </a:p>
+          <a:p>
+            <a:pPr marL="514350" lvl="0" indent="-514350">
+              <a:buFont typeface="+mj-lt"/>
+              <a:buAutoNum type="arabicPeriod"/>
+            </a:pPr>
+            <a:r>
+              <a:rPr lang="en-US" sz="1200" dirty="0" smtClean="0"/>
+              <a:t> </a:t>
+            </a:r>
+            <a:r>
+              <a:rPr lang="ru-RU" sz="1200" dirty="0"/>
+              <a:t>Хоар Ч. А. Р. </a:t>
+            </a:r>
+            <a:r>
+              <a:rPr lang="en-US" sz="1200" dirty="0"/>
+              <a:t>The Emperor’s Old Clothes. CACM, 1981.</a:t>
+            </a:r>
+          </a:p>
+          <a:p>
+            <a:pPr marL="514350" lvl="0" indent="-514350">
+              <a:buFont typeface="+mj-lt"/>
+              <a:buAutoNum type="arabicPeriod"/>
+            </a:pPr>
+            <a:r>
+              <a:rPr lang="ru-RU" sz="1200" dirty="0" err="1" smtClean="0"/>
+              <a:t>Реймонд</a:t>
+            </a:r>
+            <a:r>
+              <a:rPr lang="ru-RU" sz="1200" dirty="0" smtClean="0"/>
+              <a:t> </a:t>
+            </a:r>
+            <a:r>
+              <a:rPr lang="ru-RU" sz="1200" dirty="0"/>
+              <a:t>Э. С. Искусство программирования для </a:t>
+            </a:r>
+            <a:r>
+              <a:rPr lang="en-US" sz="1200" dirty="0"/>
+              <a:t>UNIX. CACM, </a:t>
+            </a:r>
+            <a:r>
+              <a:rPr lang="ru-RU" sz="1200" dirty="0"/>
+              <a:t>М., СПб., Киев: Вильямс, 2005.</a:t>
+            </a:r>
+          </a:p>
+          <a:p>
+            <a:pPr marL="514350" lvl="0" indent="-514350">
+              <a:buFont typeface="+mj-lt"/>
+              <a:buAutoNum type="arabicPeriod"/>
+            </a:pPr>
+            <a:r>
+              <a:rPr lang="en-US" sz="1200" dirty="0" smtClean="0"/>
+              <a:t> </a:t>
+            </a:r>
+            <a:r>
+              <a:rPr lang="en-US" sz="1200" dirty="0"/>
+              <a:t>Coordinate Systems, Transformations and Units [</a:t>
+            </a:r>
+            <a:r>
+              <a:rPr lang="ru-RU" sz="1200" dirty="0"/>
+              <a:t>Электронный ресурс] / </a:t>
+            </a:r>
+            <a:r>
+              <a:rPr lang="en-US" sz="1200" dirty="0"/>
+              <a:t>W3C. 6 </a:t>
+            </a:r>
+            <a:r>
+              <a:rPr lang="ru-RU" sz="1200" dirty="0"/>
+              <a:t>мая 2017. </a:t>
+            </a:r>
+            <a:r>
+              <a:rPr lang="en-US" sz="1200" dirty="0"/>
+              <a:t>URL: https://www.w3.org/TR/SVG/coords.html.</a:t>
+            </a:r>
+            <a:endParaRPr lang="ru-RU" sz="1200" dirty="0"/>
           </a:p>
         </p:txBody>
       </p:sp>
@@ -3480,7 +4054,7 @@
 </p:sld>
 </file>
 
-<file path=ppt/slides/slide13.xml><?xml version="1.0" encoding="utf-8"?>
+<file path=ppt/slides/slide15.xml><?xml version="1.0" encoding="utf-8"?>
 <p:sld xmlns:a="http://schemas.openxmlformats.org/drawingml/2006/main" xmlns:r="http://schemas.openxmlformats.org/officeDocument/2006/relationships" xmlns:p="http://schemas.openxmlformats.org/presentationml/2006/main">
   <p:cSld>
     <p:spTree>
@@ -4563,7 +5137,15 @@
                 </a14:m>
                 <a:r>
                   <a:rPr lang="ru-RU" dirty="0" smtClean="0"/>
-                  <a:t> — значение матрицы фигуры.</a:t>
+                  <a:t> — </a:t>
+                </a:r>
+                <a:r>
+                  <a:rPr lang="ru-RU" dirty="0" smtClean="0"/>
+                  <a:t>значение в матрице </a:t>
+                </a:r>
+                <a:r>
+                  <a:rPr lang="ru-RU" dirty="0" smtClean="0"/>
+                  <a:t>фигуры.</a:t>
                 </a:r>
                 <a:endParaRPr lang="ru-RU" dirty="0"/>
               </a:p>
@@ -4750,8 +5332,8 @@
           </a:p>
         </p:txBody>
       </p:sp>
-      <mc:AlternateContent xmlns:mc="http://schemas.openxmlformats.org/markup-compatibility/2006">
-        <mc:Choice xmlns:a14="http://schemas.microsoft.com/office/drawing/2010/main" Requires="a14">
+      <mc:AlternateContent xmlns:mc="http://schemas.openxmlformats.org/markup-compatibility/2006" xmlns:a14="http://schemas.microsoft.com/office/drawing/2010/main">
+        <mc:Choice Requires="a14">
           <p:sp>
             <p:nvSpPr>
               <p:cNvPr id="3" name="Объект 2"/>
@@ -5000,7 +5582,7 @@
             </p:txBody>
           </p:sp>
         </mc:Choice>
-        <mc:Fallback>
+        <mc:Fallback xmlns="">
           <p:sp>
             <p:nvSpPr>
               <p:cNvPr id="3" name="Объект 2"/>
